--- a/Template in C++.pptx
+++ b/Template in C++.pptx
@@ -6,15 +6,15 @@
   </p:sldMasterIdLst>
   <p:sldIdLst>
     <p:sldId id="256" r:id="rId2"/>
-    <p:sldId id="257" r:id="rId3"/>
-    <p:sldId id="258" r:id="rId4"/>
-    <p:sldId id="259" r:id="rId5"/>
-    <p:sldId id="260" r:id="rId6"/>
-    <p:sldId id="261" r:id="rId7"/>
-    <p:sldId id="265" r:id="rId8"/>
-    <p:sldId id="262" r:id="rId9"/>
-    <p:sldId id="264" r:id="rId10"/>
-    <p:sldId id="263" r:id="rId11"/>
+    <p:sldId id="266" r:id="rId3"/>
+    <p:sldId id="257" r:id="rId4"/>
+    <p:sldId id="258" r:id="rId5"/>
+    <p:sldId id="259" r:id="rId6"/>
+    <p:sldId id="260" r:id="rId7"/>
+    <p:sldId id="261" r:id="rId8"/>
+    <p:sldId id="265" r:id="rId9"/>
+    <p:sldId id="262" r:id="rId10"/>
+    <p:sldId id="264" r:id="rId11"/>
   </p:sldIdLst>
   <p:sldSz cx="12192000" cy="6858000"/>
   <p:notesSz cx="6858000" cy="9144000"/>
@@ -113,6 +113,11 @@
       </a:defRPr>
     </a:lvl9pPr>
   </p:defaultTextStyle>
+  <p:extLst>
+    <p:ext uri="{EFAFB233-063F-42B5-8137-9DF3F51BA10A}">
+      <p15:sldGuideLst xmlns:p15="http://schemas.microsoft.com/office/powerpoint/2012/main"/>
+    </p:ext>
+  </p:extLst>
 </p:presentation>
 </file>
 
@@ -5905,7 +5910,11 @@
           <a:bodyPr/>
           <a:lstStyle/>
           <a:p>
-            <a:endParaRPr lang="en-US"/>
+            <a:r>
+              <a:rPr lang="en-US" dirty="0" smtClean="0"/>
+              <a:t>STL</a:t>
+            </a:r>
+            <a:endParaRPr lang="en-US" dirty="0"/>
           </a:p>
         </p:txBody>
       </p:sp>
@@ -5924,14 +5933,45 @@
           <a:bodyPr/>
           <a:lstStyle/>
           <a:p>
-            <a:endParaRPr lang="en-US"/>
+            <a:r>
+              <a:rPr lang="en-US" dirty="0" smtClean="0"/>
+              <a:t>Containers: array,vector,deque,stack,set,map,..</a:t>
+            </a:r>
+            <a:r>
+              <a:rPr lang="en-US" dirty="0" err="1" smtClean="0"/>
+              <a:t>etc</a:t>
+            </a:r>
+            <a:r>
+              <a:rPr lang="en-US" dirty="0" smtClean="0"/>
+              <a:t>)</a:t>
+            </a:r>
+          </a:p>
+          <a:p>
+            <a:r>
+              <a:rPr lang="en-US" dirty="0" smtClean="0"/>
+              <a:t>Algorithms: </a:t>
+            </a:r>
+            <a:r>
+              <a:rPr lang="en-US" dirty="0" err="1" smtClean="0"/>
+              <a:t>find,max,count,sort</a:t>
+            </a:r>
+            <a:r>
+              <a:rPr lang="en-US" dirty="0" smtClean="0"/>
+              <a:t>,…</a:t>
+            </a:r>
+          </a:p>
+          <a:p>
+            <a:r>
+              <a:rPr lang="en-US" dirty="0" smtClean="0"/>
+              <a:t>Iterators</a:t>
+            </a:r>
           </a:p>
         </p:txBody>
       </p:sp>
     </p:spTree>
     <p:extLst>
       <p:ext uri="{BB962C8B-B14F-4D97-AF65-F5344CB8AC3E}">
-        <p14:creationId xmlns:p14="http://schemas.microsoft.com/office/powerpoint/2010/main" val="3494702778"/>
+        <p14:creationId xmlns:p14="http://schemas.microsoft.com/office/powerpoint/2010/main" val="3740452871"/>
       </p:ext>
     </p:extLst>
   </p:cSld>
@@ -5975,6 +6015,45 @@
           <a:p>
             <a:r>
               <a:rPr lang="en-US" dirty="0" err="1" smtClean="0"/>
+              <a:t>Nội</a:t>
+            </a:r>
+            <a:r>
+              <a:rPr lang="en-US" dirty="0" smtClean="0"/>
+              <a:t> dung </a:t>
+            </a:r>
+            <a:r>
+              <a:rPr lang="en-US" dirty="0" err="1" smtClean="0"/>
+              <a:t>trình</a:t>
+            </a:r>
+            <a:r>
+              <a:rPr lang="en-US" dirty="0" smtClean="0"/>
+              <a:t> </a:t>
+            </a:r>
+            <a:r>
+              <a:rPr lang="en-US" dirty="0" err="1" smtClean="0"/>
+              <a:t>bày</a:t>
+            </a:r>
+            <a:endParaRPr lang="en-US" dirty="0"/>
+          </a:p>
+        </p:txBody>
+      </p:sp>
+      <p:sp>
+        <p:nvSpPr>
+          <p:cNvPr id="3" name="Content Placeholder 2"/>
+          <p:cNvSpPr>
+            <a:spLocks noGrp="1"/>
+          </p:cNvSpPr>
+          <p:nvPr>
+            <p:ph idx="1"/>
+          </p:nvPr>
+        </p:nvSpPr>
+        <p:spPr/>
+        <p:txBody>
+          <a:bodyPr/>
+          <a:lstStyle/>
+          <a:p>
+            <a:r>
+              <a:rPr lang="en-US" dirty="0" err="1" smtClean="0"/>
               <a:t>Giới</a:t>
             </a:r>
             <a:r>
@@ -5983,7 +6062,7 @@
             </a:r>
             <a:r>
               <a:rPr lang="en-US" dirty="0" err="1" smtClean="0"/>
-              <a:t>thiệu</a:t>
+              <a:t>Thiệu</a:t>
             </a:r>
             <a:r>
               <a:rPr lang="en-US" dirty="0" smtClean="0"/>
@@ -5995,237 +6074,75 @@
             </a:r>
             <a:r>
               <a:rPr lang="en-US" dirty="0" smtClean="0"/>
-              <a:t> Templates</a:t>
-            </a:r>
-            <a:endParaRPr lang="en-US" dirty="0"/>
-          </a:p>
-        </p:txBody>
-      </p:sp>
-      <p:sp>
-        <p:nvSpPr>
-          <p:cNvPr id="3" name="Content Placeholder 2"/>
-          <p:cNvSpPr>
-            <a:spLocks noGrp="1"/>
-          </p:cNvSpPr>
-          <p:nvPr>
-            <p:ph idx="1"/>
-          </p:nvPr>
-        </p:nvSpPr>
-        <p:spPr/>
-        <p:txBody>
-          <a:bodyPr/>
-          <a:lstStyle/>
-          <a:p>
-            <a:r>
-              <a:rPr lang="en-US" dirty="0" smtClean="0"/>
-              <a:t>Template </a:t>
-            </a:r>
-            <a:r>
-              <a:rPr lang="en-US" dirty="0" err="1" smtClean="0"/>
-              <a:t>là</a:t>
-            </a:r>
-            <a:r>
-              <a:rPr lang="en-US" dirty="0" smtClean="0"/>
-              <a:t> Parametric Polymorphism</a:t>
-            </a:r>
-          </a:p>
-          <a:p>
-            <a:pPr>
-              <a:buFont typeface="Wingdings" panose="05000000000000000000" pitchFamily="2" charset="2"/>
-              <a:buChar char="Ø"/>
-            </a:pPr>
-            <a:r>
-              <a:rPr lang="en-US" dirty="0"/>
-              <a:t> </a:t>
-            </a:r>
-            <a:r>
-              <a:rPr lang="en-US" dirty="0" smtClean="0"/>
-              <a:t>Ý </a:t>
-            </a:r>
-            <a:r>
-              <a:rPr lang="en-US" dirty="0" err="1" smtClean="0"/>
-              <a:t>tưởng</a:t>
-            </a:r>
-            <a:r>
-              <a:rPr lang="en-US" dirty="0" smtClean="0"/>
-              <a:t>: Implementation </a:t>
-            </a:r>
-            <a:r>
-              <a:rPr lang="en-US" dirty="0" err="1" smtClean="0"/>
-              <a:t>của</a:t>
-            </a:r>
-            <a:r>
-              <a:rPr lang="en-US" dirty="0" smtClean="0"/>
-              <a:t> template </a:t>
-            </a:r>
-            <a:r>
-              <a:rPr lang="en-US" dirty="0" err="1" smtClean="0"/>
-              <a:t>là</a:t>
-            </a:r>
-            <a:r>
-              <a:rPr lang="en-US" dirty="0" smtClean="0"/>
-              <a:t> </a:t>
-            </a:r>
-            <a:r>
-              <a:rPr lang="en-US" dirty="0" err="1" smtClean="0"/>
-              <a:t>không</a:t>
-            </a:r>
-            <a:r>
-              <a:rPr lang="en-US" dirty="0" smtClean="0"/>
-              <a:t> </a:t>
-            </a:r>
-            <a:r>
-              <a:rPr lang="en-US" dirty="0" err="1" smtClean="0"/>
-              <a:t>hề</a:t>
-            </a:r>
-            <a:r>
-              <a:rPr lang="en-US" dirty="0" smtClean="0"/>
-              <a:t> </a:t>
-            </a:r>
-            <a:r>
-              <a:rPr lang="en-US" dirty="0" err="1" smtClean="0"/>
-              <a:t>thay</a:t>
-            </a:r>
-            <a:r>
-              <a:rPr lang="en-US" dirty="0" smtClean="0"/>
-              <a:t> </a:t>
-            </a:r>
-            <a:r>
-              <a:rPr lang="en-US" dirty="0" err="1" smtClean="0"/>
-              <a:t>đổi</a:t>
-            </a:r>
-            <a:r>
-              <a:rPr lang="en-US" dirty="0" smtClean="0"/>
-              <a:t>, </a:t>
-            </a:r>
-            <a:r>
-              <a:rPr lang="en-US" dirty="0" err="1" smtClean="0"/>
-              <a:t>chỉ</a:t>
-            </a:r>
-            <a:r>
-              <a:rPr lang="en-US" dirty="0" smtClean="0"/>
-              <a:t> </a:t>
-            </a:r>
-            <a:r>
-              <a:rPr lang="en-US" dirty="0" err="1" smtClean="0"/>
-              <a:t>có</a:t>
-            </a:r>
-            <a:r>
-              <a:rPr lang="en-US" dirty="0" smtClean="0"/>
-              <a:t> parameter </a:t>
-            </a:r>
-            <a:r>
-              <a:rPr lang="en-US" dirty="0" err="1" smtClean="0"/>
-              <a:t>là</a:t>
-            </a:r>
-            <a:r>
-              <a:rPr lang="en-US" dirty="0" smtClean="0"/>
-              <a:t> </a:t>
-            </a:r>
-            <a:r>
-              <a:rPr lang="en-US" dirty="0" err="1" smtClean="0"/>
-              <a:t>thay</a:t>
-            </a:r>
-            <a:r>
-              <a:rPr lang="en-US" dirty="0" smtClean="0"/>
-              <a:t> </a:t>
-            </a:r>
-            <a:r>
-              <a:rPr lang="en-US" dirty="0" err="1" smtClean="0"/>
-              <a:t>đổi</a:t>
-            </a:r>
-            <a:r>
-              <a:rPr lang="en-US" dirty="0" smtClean="0"/>
-              <a:t>.</a:t>
-            </a:r>
-          </a:p>
-          <a:p>
-            <a:pPr marL="0" indent="0">
-              <a:buNone/>
-            </a:pPr>
-            <a:r>
-              <a:rPr lang="en-US" dirty="0" smtClean="0"/>
-              <a:t>Template </a:t>
-            </a:r>
-            <a:r>
-              <a:rPr lang="en-US" dirty="0" err="1" smtClean="0"/>
-              <a:t>là</a:t>
-            </a:r>
-            <a:r>
-              <a:rPr lang="en-US" dirty="0" smtClean="0"/>
-              <a:t> </a:t>
-            </a:r>
-            <a:r>
-              <a:rPr lang="en-US" dirty="0" err="1" smtClean="0"/>
-              <a:t>bản</a:t>
-            </a:r>
-            <a:r>
-              <a:rPr lang="en-US" dirty="0" smtClean="0"/>
-              <a:t> </a:t>
-            </a:r>
-            <a:r>
-              <a:rPr lang="en-US" dirty="0" err="1" smtClean="0"/>
-              <a:t>thiết</a:t>
-            </a:r>
-            <a:r>
-              <a:rPr lang="en-US" dirty="0" smtClean="0"/>
-              <a:t> </a:t>
-            </a:r>
-            <a:r>
-              <a:rPr lang="en-US" dirty="0" err="1" smtClean="0"/>
-              <a:t>kế</a:t>
-            </a:r>
-            <a:r>
-              <a:rPr lang="en-US" dirty="0" smtClean="0"/>
-              <a:t> </a:t>
-            </a:r>
-            <a:r>
-              <a:rPr lang="en-US" dirty="0" err="1" smtClean="0"/>
-              <a:t>mà</a:t>
-            </a:r>
-            <a:r>
-              <a:rPr lang="en-US" dirty="0" smtClean="0"/>
-              <a:t> Complier </a:t>
-            </a:r>
-            <a:r>
-              <a:rPr lang="en-US" dirty="0" err="1" smtClean="0"/>
-              <a:t>sử</a:t>
-            </a:r>
-            <a:r>
-              <a:rPr lang="en-US" dirty="0" smtClean="0"/>
-              <a:t> </a:t>
-            </a:r>
-            <a:r>
-              <a:rPr lang="en-US" dirty="0" err="1" smtClean="0"/>
-              <a:t>dụng</a:t>
-            </a:r>
-            <a:r>
-              <a:rPr lang="en-US" dirty="0" smtClean="0"/>
-              <a:t> </a:t>
-            </a:r>
-            <a:r>
-              <a:rPr lang="en-US" dirty="0" err="1" smtClean="0"/>
-              <a:t>để</a:t>
-            </a:r>
-            <a:r>
-              <a:rPr lang="en-US" dirty="0" smtClean="0"/>
-              <a:t> </a:t>
-            </a:r>
-            <a:r>
-              <a:rPr lang="en-US" dirty="0" err="1" smtClean="0"/>
-              <a:t>tạo</a:t>
-            </a:r>
-            <a:r>
-              <a:rPr lang="en-US" dirty="0" smtClean="0"/>
-              <a:t> </a:t>
-            </a:r>
-            <a:r>
-              <a:rPr lang="en-US" dirty="0" err="1" smtClean="0"/>
-              <a:t>ra</a:t>
-            </a:r>
-            <a:r>
-              <a:rPr lang="en-US" dirty="0" smtClean="0"/>
-              <a:t> function/class.</a:t>
+              <a:t> Template</a:t>
+            </a:r>
+          </a:p>
+          <a:p>
+            <a:r>
+              <a:rPr lang="en-US" dirty="0" err="1" smtClean="0"/>
+              <a:t>Các</a:t>
+            </a:r>
+            <a:r>
+              <a:rPr lang="en-US" dirty="0" smtClean="0"/>
+              <a:t> </a:t>
+            </a:r>
+            <a:r>
+              <a:rPr lang="en-US" dirty="0" err="1" smtClean="0"/>
+              <a:t>vấn</a:t>
+            </a:r>
+            <a:r>
+              <a:rPr lang="en-US" dirty="0" smtClean="0"/>
+              <a:t> </a:t>
+            </a:r>
+            <a:r>
+              <a:rPr lang="en-US" dirty="0" err="1" smtClean="0"/>
+              <a:t>đề</a:t>
+            </a:r>
+            <a:r>
+              <a:rPr lang="en-US" dirty="0" smtClean="0"/>
+              <a:t>  </a:t>
+            </a:r>
+            <a:r>
+              <a:rPr lang="en-US" dirty="0" err="1" smtClean="0"/>
+              <a:t>đáng</a:t>
+            </a:r>
+            <a:r>
+              <a:rPr lang="en-US" dirty="0" smtClean="0"/>
+              <a:t> </a:t>
+            </a:r>
+            <a:r>
+              <a:rPr lang="en-US" dirty="0" err="1" smtClean="0"/>
+              <a:t>lưu</a:t>
+            </a:r>
+            <a:r>
+              <a:rPr lang="en-US" dirty="0" smtClean="0"/>
+              <a:t> ý </a:t>
+            </a:r>
+            <a:r>
+              <a:rPr lang="en-US" dirty="0" err="1" smtClean="0"/>
+              <a:t>về</a:t>
+            </a:r>
+            <a:r>
+              <a:rPr lang="en-US" dirty="0" smtClean="0"/>
+              <a:t> Template</a:t>
+            </a:r>
+          </a:p>
+          <a:p>
+            <a:r>
+              <a:rPr lang="en-US" dirty="0" err="1" smtClean="0"/>
+              <a:t>Thư</a:t>
+            </a:r>
+            <a:r>
+              <a:rPr lang="en-US" dirty="0" smtClean="0"/>
+              <a:t> </a:t>
+            </a:r>
+            <a:r>
+              <a:rPr lang="en-US" dirty="0" err="1" smtClean="0"/>
+              <a:t>viện</a:t>
+            </a:r>
+            <a:r>
+              <a:rPr lang="en-US" dirty="0" smtClean="0"/>
+              <a:t> Template :STL</a:t>
             </a:r>
             <a:endParaRPr lang="en-US" dirty="0"/>
           </a:p>
@@ -6234,7 +6151,7 @@
     </p:spTree>
     <p:extLst>
       <p:ext uri="{BB962C8B-B14F-4D97-AF65-F5344CB8AC3E}">
-        <p14:creationId xmlns:p14="http://schemas.microsoft.com/office/powerpoint/2010/main" val="2697457559"/>
+        <p14:creationId xmlns:p14="http://schemas.microsoft.com/office/powerpoint/2010/main" val="620175371"/>
       </p:ext>
     </p:extLst>
   </p:cSld>
@@ -6278,15 +6195,27 @@
           <a:p>
             <a:r>
               <a:rPr lang="en-US" dirty="0" err="1" smtClean="0"/>
-              <a:t>Ví</a:t>
-            </a:r>
-            <a:r>
-              <a:rPr lang="en-US" dirty="0" smtClean="0"/>
-              <a:t> </a:t>
-            </a:r>
-            <a:r>
-              <a:rPr lang="en-US" dirty="0" err="1" smtClean="0"/>
-              <a:t>dụ</a:t>
+              <a:t>Giới</a:t>
+            </a:r>
+            <a:r>
+              <a:rPr lang="en-US" dirty="0" smtClean="0"/>
+              <a:t> </a:t>
+            </a:r>
+            <a:r>
+              <a:rPr lang="en-US" dirty="0" err="1" smtClean="0"/>
+              <a:t>thiệu</a:t>
+            </a:r>
+            <a:r>
+              <a:rPr lang="en-US" dirty="0" smtClean="0"/>
+              <a:t> </a:t>
+            </a:r>
+            <a:r>
+              <a:rPr lang="en-US" dirty="0" err="1" smtClean="0"/>
+              <a:t>về</a:t>
+            </a:r>
+            <a:r>
+              <a:rPr lang="en-US" dirty="0" smtClean="0"/>
+              <a:t> Templates</a:t>
             </a:r>
             <a:endParaRPr lang="en-US" dirty="0"/>
           </a:p>
@@ -6308,12 +6237,175 @@
           <a:lstStyle/>
           <a:p>
             <a:r>
-              <a:rPr lang="en-US" dirty="0" err="1" smtClean="0"/>
-              <a:t>Giả</a:t>
-            </a:r>
-            <a:r>
-              <a:rPr lang="en-US" dirty="0" smtClean="0"/>
-              <a:t> </a:t>
+              <a:rPr lang="en-US" dirty="0" smtClean="0"/>
+              <a:t>Template </a:t>
+            </a:r>
+            <a:r>
+              <a:rPr lang="en-US" dirty="0" err="1" smtClean="0"/>
+              <a:t>là</a:t>
+            </a:r>
+            <a:r>
+              <a:rPr lang="en-US" dirty="0" smtClean="0"/>
+              <a:t> Parametric Polymorphism</a:t>
+            </a:r>
+          </a:p>
+          <a:p>
+            <a:pPr>
+              <a:buFont typeface="Wingdings" panose="05000000000000000000" pitchFamily="2" charset="2"/>
+              <a:buChar char="Ø"/>
+            </a:pPr>
+            <a:r>
+              <a:rPr lang="en-US" dirty="0"/>
+              <a:t> </a:t>
+            </a:r>
+            <a:r>
+              <a:rPr lang="en-US" dirty="0" smtClean="0"/>
+              <a:t>Ý </a:t>
+            </a:r>
+            <a:r>
+              <a:rPr lang="en-US" dirty="0" err="1" smtClean="0"/>
+              <a:t>tưởng</a:t>
+            </a:r>
+            <a:r>
+              <a:rPr lang="en-US" dirty="0" smtClean="0"/>
+              <a:t>: Implementation </a:t>
+            </a:r>
+            <a:r>
+              <a:rPr lang="en-US" dirty="0" err="1" smtClean="0"/>
+              <a:t>của</a:t>
+            </a:r>
+            <a:r>
+              <a:rPr lang="en-US" dirty="0" smtClean="0"/>
+              <a:t> template </a:t>
+            </a:r>
+            <a:r>
+              <a:rPr lang="en-US" dirty="0" err="1" smtClean="0"/>
+              <a:t>là</a:t>
+            </a:r>
+            <a:r>
+              <a:rPr lang="en-US" dirty="0" smtClean="0"/>
+              <a:t> </a:t>
+            </a:r>
+            <a:r>
+              <a:rPr lang="en-US" dirty="0" err="1" smtClean="0"/>
+              <a:t>không</a:t>
+            </a:r>
+            <a:r>
+              <a:rPr lang="en-US" dirty="0" smtClean="0"/>
+              <a:t> </a:t>
+            </a:r>
+            <a:r>
+              <a:rPr lang="en-US" dirty="0" err="1" smtClean="0"/>
+              <a:t>hề</a:t>
+            </a:r>
+            <a:r>
+              <a:rPr lang="en-US" dirty="0" smtClean="0"/>
+              <a:t> </a:t>
+            </a:r>
+            <a:r>
+              <a:rPr lang="en-US" dirty="0" err="1" smtClean="0"/>
+              <a:t>thay</a:t>
+            </a:r>
+            <a:r>
+              <a:rPr lang="en-US" dirty="0" smtClean="0"/>
+              <a:t> </a:t>
+            </a:r>
+            <a:r>
+              <a:rPr lang="en-US" dirty="0" err="1" smtClean="0"/>
+              <a:t>đổi</a:t>
+            </a:r>
+            <a:r>
+              <a:rPr lang="en-US" dirty="0" smtClean="0"/>
+              <a:t>, </a:t>
+            </a:r>
+            <a:r>
+              <a:rPr lang="en-US" dirty="0" err="1" smtClean="0"/>
+              <a:t>chỉ</a:t>
+            </a:r>
+            <a:r>
+              <a:rPr lang="en-US" dirty="0" smtClean="0"/>
+              <a:t> </a:t>
+            </a:r>
+            <a:r>
+              <a:rPr lang="en-US" dirty="0" err="1" smtClean="0"/>
+              <a:t>có</a:t>
+            </a:r>
+            <a:r>
+              <a:rPr lang="en-US" dirty="0" smtClean="0"/>
+              <a:t> parameter </a:t>
+            </a:r>
+            <a:r>
+              <a:rPr lang="en-US" dirty="0" err="1" smtClean="0"/>
+              <a:t>là</a:t>
+            </a:r>
+            <a:r>
+              <a:rPr lang="en-US" dirty="0" smtClean="0"/>
+              <a:t> </a:t>
+            </a:r>
+            <a:r>
+              <a:rPr lang="en-US" dirty="0" err="1" smtClean="0"/>
+              <a:t>thay</a:t>
+            </a:r>
+            <a:r>
+              <a:rPr lang="en-US" dirty="0" smtClean="0"/>
+              <a:t> </a:t>
+            </a:r>
+            <a:r>
+              <a:rPr lang="en-US" dirty="0" err="1" smtClean="0"/>
+              <a:t>đổi</a:t>
+            </a:r>
+            <a:r>
+              <a:rPr lang="en-US" dirty="0" smtClean="0"/>
+              <a:t>.</a:t>
+            </a:r>
+          </a:p>
+          <a:p>
+            <a:pPr marL="0" indent="0">
+              <a:buNone/>
+            </a:pPr>
+            <a:r>
+              <a:rPr lang="en-US" dirty="0" smtClean="0"/>
+              <a:t>Template </a:t>
+            </a:r>
+            <a:r>
+              <a:rPr lang="en-US" dirty="0" err="1" smtClean="0"/>
+              <a:t>là</a:t>
+            </a:r>
+            <a:r>
+              <a:rPr lang="en-US" dirty="0" smtClean="0"/>
+              <a:t> </a:t>
+            </a:r>
+            <a:r>
+              <a:rPr lang="en-US" dirty="0" err="1" smtClean="0"/>
+              <a:t>bản</a:t>
+            </a:r>
+            <a:r>
+              <a:rPr lang="en-US" dirty="0" smtClean="0"/>
+              <a:t> </a:t>
+            </a:r>
+            <a:r>
+              <a:rPr lang="en-US" dirty="0" err="1" smtClean="0"/>
+              <a:t>thiết</a:t>
+            </a:r>
+            <a:r>
+              <a:rPr lang="en-US" dirty="0" smtClean="0"/>
+              <a:t> </a:t>
+            </a:r>
+            <a:r>
+              <a:rPr lang="en-US" dirty="0" err="1" smtClean="0"/>
+              <a:t>kế</a:t>
+            </a:r>
+            <a:r>
+              <a:rPr lang="en-US" dirty="0" smtClean="0"/>
+              <a:t> </a:t>
+            </a:r>
+            <a:r>
+              <a:rPr lang="en-US" dirty="0" err="1" smtClean="0"/>
+              <a:t>mà</a:t>
+            </a:r>
+            <a:r>
+              <a:rPr lang="en-US" dirty="0" smtClean="0"/>
+              <a:t> Complier </a:t>
             </a:r>
             <a:r>
               <a:rPr lang="en-US" dirty="0" err="1" smtClean="0"/>
@@ -6325,97 +6417,15 @@
             </a:r>
             <a:r>
               <a:rPr lang="en-US" dirty="0" err="1" smtClean="0"/>
-              <a:t>nếu</a:t>
-            </a:r>
-            <a:r>
-              <a:rPr lang="en-US" dirty="0" smtClean="0"/>
-              <a:t> </a:t>
-            </a:r>
-            <a:r>
-              <a:rPr lang="en-US" dirty="0" err="1" smtClean="0"/>
-              <a:t>như</a:t>
-            </a:r>
-            <a:r>
-              <a:rPr lang="en-US" dirty="0" smtClean="0"/>
-              <a:t> </a:t>
-            </a:r>
-            <a:r>
-              <a:rPr lang="en-US" dirty="0" err="1" smtClean="0"/>
-              <a:t>không</a:t>
-            </a:r>
-            <a:r>
-              <a:rPr lang="en-US" dirty="0" smtClean="0"/>
-              <a:t> </a:t>
-            </a:r>
-            <a:r>
-              <a:rPr lang="en-US" dirty="0" err="1" smtClean="0"/>
-              <a:t>có</a:t>
-            </a:r>
-            <a:r>
-              <a:rPr lang="en-US" dirty="0" smtClean="0"/>
-              <a:t> template </a:t>
-            </a:r>
-            <a:r>
-              <a:rPr lang="en-US" dirty="0" err="1" smtClean="0"/>
-              <a:t>thì</a:t>
-            </a:r>
-            <a:r>
-              <a:rPr lang="en-US" dirty="0" smtClean="0"/>
-              <a:t> </a:t>
-            </a:r>
-            <a:r>
-              <a:rPr lang="en-US" dirty="0" err="1" smtClean="0"/>
-              <a:t>sẽ</a:t>
-            </a:r>
-            <a:r>
-              <a:rPr lang="en-US" dirty="0" smtClean="0"/>
-              <a:t> </a:t>
-            </a:r>
-            <a:r>
-              <a:rPr lang="en-US" dirty="0" err="1" smtClean="0"/>
-              <a:t>không</a:t>
-            </a:r>
-            <a:r>
-              <a:rPr lang="en-US" dirty="0" smtClean="0"/>
-              <a:t> </a:t>
-            </a:r>
-            <a:r>
-              <a:rPr lang="en-US" dirty="0" err="1" smtClean="0"/>
-              <a:t>có</a:t>
-            </a:r>
-            <a:r>
-              <a:rPr lang="en-US" dirty="0" smtClean="0"/>
-              <a:t> vector&lt;</a:t>
-            </a:r>
-            <a:r>
-              <a:rPr lang="en-US" dirty="0" err="1" smtClean="0"/>
-              <a:t>int</a:t>
-            </a:r>
-            <a:r>
-              <a:rPr lang="en-US" dirty="0" smtClean="0"/>
-              <a:t>&gt;,vector&lt;double&gt;,vector&lt;float&gt;.</a:t>
-            </a:r>
-          </a:p>
-          <a:p>
-            <a:r>
-              <a:rPr lang="en-US" dirty="0" err="1" smtClean="0"/>
-              <a:t>Khi</a:t>
-            </a:r>
-            <a:r>
-              <a:rPr lang="en-US" dirty="0" smtClean="0"/>
-              <a:t> </a:t>
-            </a:r>
-            <a:r>
-              <a:rPr lang="en-US" dirty="0" err="1" smtClean="0"/>
-              <a:t>đó</a:t>
-            </a:r>
-            <a:r>
-              <a:rPr lang="en-US" dirty="0" smtClean="0"/>
-              <a:t> ta </a:t>
-            </a:r>
-            <a:r>
-              <a:rPr lang="en-US" dirty="0" err="1" smtClean="0"/>
-              <a:t>phải</a:t>
+              <a:t>dụng</a:t>
+            </a:r>
+            <a:r>
+              <a:rPr lang="en-US" dirty="0" smtClean="0"/>
+              <a:t> </a:t>
+            </a:r>
+            <a:r>
+              <a:rPr lang="en-US" dirty="0" err="1" smtClean="0"/>
+              <a:t>để</a:t>
             </a:r>
             <a:r>
               <a:rPr lang="en-US" dirty="0" smtClean="0"/>
@@ -6435,47 +6445,7 @@
             </a:r>
             <a:r>
               <a:rPr lang="en-US" dirty="0" smtClean="0"/>
-              <a:t> </a:t>
-            </a:r>
-            <a:r>
-              <a:rPr lang="en-US" dirty="0" err="1" smtClean="0"/>
-              <a:t>lớp</a:t>
-            </a:r>
-            <a:r>
-              <a:rPr lang="en-US" dirty="0" smtClean="0"/>
-              <a:t> </a:t>
-            </a:r>
-            <a:r>
-              <a:rPr lang="en-US" dirty="0" err="1" smtClean="0"/>
-              <a:t>VectorInt,VectorDouble,Vectorfloat</a:t>
-            </a:r>
-            <a:r>
-              <a:rPr lang="en-US" dirty="0" smtClean="0"/>
-              <a:t> </a:t>
-            </a:r>
-            <a:r>
-              <a:rPr lang="en-US" dirty="0" err="1" smtClean="0"/>
-              <a:t>từ</a:t>
-            </a:r>
-            <a:r>
-              <a:rPr lang="en-US" dirty="0" smtClean="0"/>
-              <a:t> </a:t>
-            </a:r>
-            <a:r>
-              <a:rPr lang="en-US" dirty="0" err="1" smtClean="0"/>
-              <a:t>một</a:t>
-            </a:r>
-            <a:r>
-              <a:rPr lang="en-US" dirty="0" smtClean="0"/>
-              <a:t> Base Class </a:t>
-            </a:r>
-            <a:r>
-              <a:rPr lang="en-US" dirty="0" err="1" smtClean="0"/>
-              <a:t>là</a:t>
-            </a:r>
-            <a:r>
-              <a:rPr lang="en-US" dirty="0" smtClean="0"/>
-              <a:t> Vector.</a:t>
+              <a:t> function/class.</a:t>
             </a:r>
             <a:endParaRPr lang="en-US" dirty="0"/>
           </a:p>
@@ -6484,7 +6454,7 @@
     </p:spTree>
     <p:extLst>
       <p:ext uri="{BB962C8B-B14F-4D97-AF65-F5344CB8AC3E}">
-        <p14:creationId xmlns:p14="http://schemas.microsoft.com/office/powerpoint/2010/main" val="3925364991"/>
+        <p14:creationId xmlns:p14="http://schemas.microsoft.com/office/powerpoint/2010/main" val="2697457559"/>
       </p:ext>
     </p:extLst>
   </p:cSld>
@@ -6527,16 +6497,16 @@
           <a:lstStyle/>
           <a:p>
             <a:r>
-              <a:rPr lang="en-US" dirty="0" smtClean="0"/>
-              <a:t>Function Templates </a:t>
-            </a:r>
-            <a:r>
-              <a:rPr lang="en-US" dirty="0" err="1" smtClean="0"/>
-              <a:t>và</a:t>
-            </a:r>
-            <a:r>
-              <a:rPr lang="en-US" dirty="0" smtClean="0"/>
-              <a:t> Class Templates</a:t>
+              <a:rPr lang="en-US" dirty="0" err="1" smtClean="0"/>
+              <a:t>Ví</a:t>
+            </a:r>
+            <a:r>
+              <a:rPr lang="en-US" dirty="0" smtClean="0"/>
+              <a:t> </a:t>
+            </a:r>
+            <a:r>
+              <a:rPr lang="en-US" dirty="0" err="1" smtClean="0"/>
+              <a:t>dụ</a:t>
             </a:r>
             <a:endParaRPr lang="en-US" dirty="0"/>
           </a:p>
@@ -6557,6 +6527,176 @@
           <a:bodyPr/>
           <a:lstStyle/>
           <a:p>
+            <a:r>
+              <a:rPr lang="en-US" dirty="0" err="1" smtClean="0"/>
+              <a:t>Giả</a:t>
+            </a:r>
+            <a:r>
+              <a:rPr lang="en-US" dirty="0" smtClean="0"/>
+              <a:t> </a:t>
+            </a:r>
+            <a:r>
+              <a:rPr lang="en-US" dirty="0" err="1" smtClean="0"/>
+              <a:t>sử</a:t>
+            </a:r>
+            <a:r>
+              <a:rPr lang="en-US" dirty="0" smtClean="0"/>
+              <a:t> </a:t>
+            </a:r>
+            <a:r>
+              <a:rPr lang="en-US" dirty="0" err="1" smtClean="0"/>
+              <a:t>nếu</a:t>
+            </a:r>
+            <a:r>
+              <a:rPr lang="en-US" dirty="0" smtClean="0"/>
+              <a:t> </a:t>
+            </a:r>
+            <a:r>
+              <a:rPr lang="en-US" dirty="0" err="1" smtClean="0"/>
+              <a:t>như</a:t>
+            </a:r>
+            <a:r>
+              <a:rPr lang="en-US" dirty="0" smtClean="0"/>
+              <a:t> </a:t>
+            </a:r>
+            <a:r>
+              <a:rPr lang="en-US" dirty="0" err="1" smtClean="0"/>
+              <a:t>không</a:t>
+            </a:r>
+            <a:r>
+              <a:rPr lang="en-US" dirty="0" smtClean="0"/>
+              <a:t> </a:t>
+            </a:r>
+            <a:r>
+              <a:rPr lang="en-US" dirty="0" err="1" smtClean="0"/>
+              <a:t>có</a:t>
+            </a:r>
+            <a:r>
+              <a:rPr lang="en-US" dirty="0" smtClean="0"/>
+              <a:t> template </a:t>
+            </a:r>
+            <a:r>
+              <a:rPr lang="en-US" dirty="0" err="1" smtClean="0"/>
+              <a:t>thì</a:t>
+            </a:r>
+            <a:r>
+              <a:rPr lang="en-US" dirty="0" smtClean="0"/>
+              <a:t> </a:t>
+            </a:r>
+            <a:r>
+              <a:rPr lang="en-US" dirty="0" err="1" smtClean="0"/>
+              <a:t>sẽ</a:t>
+            </a:r>
+            <a:r>
+              <a:rPr lang="en-US" dirty="0" smtClean="0"/>
+              <a:t> </a:t>
+            </a:r>
+            <a:r>
+              <a:rPr lang="en-US" dirty="0" err="1" smtClean="0"/>
+              <a:t>không</a:t>
+            </a:r>
+            <a:r>
+              <a:rPr lang="en-US" dirty="0" smtClean="0"/>
+              <a:t> </a:t>
+            </a:r>
+            <a:r>
+              <a:rPr lang="en-US" dirty="0" err="1" smtClean="0"/>
+              <a:t>có</a:t>
+            </a:r>
+            <a:r>
+              <a:rPr lang="en-US" dirty="0" smtClean="0"/>
+              <a:t> vector&lt;</a:t>
+            </a:r>
+            <a:r>
+              <a:rPr lang="en-US" dirty="0" err="1" smtClean="0"/>
+              <a:t>int</a:t>
+            </a:r>
+            <a:r>
+              <a:rPr lang="en-US" dirty="0" smtClean="0"/>
+              <a:t>&gt;,vector&lt;double&gt;,vector&lt;float&gt;.</a:t>
+            </a:r>
+          </a:p>
+          <a:p>
+            <a:r>
+              <a:rPr lang="en-US" dirty="0" err="1" smtClean="0"/>
+              <a:t>Khi</a:t>
+            </a:r>
+            <a:r>
+              <a:rPr lang="en-US" dirty="0" smtClean="0"/>
+              <a:t> </a:t>
+            </a:r>
+            <a:r>
+              <a:rPr lang="en-US" dirty="0" err="1" smtClean="0"/>
+              <a:t>đó</a:t>
+            </a:r>
+            <a:r>
+              <a:rPr lang="en-US" dirty="0" smtClean="0"/>
+              <a:t> ta </a:t>
+            </a:r>
+            <a:r>
+              <a:rPr lang="en-US" dirty="0" err="1" smtClean="0"/>
+              <a:t>phải</a:t>
+            </a:r>
+            <a:r>
+              <a:rPr lang="en-US" dirty="0" smtClean="0"/>
+              <a:t> </a:t>
+            </a:r>
+            <a:r>
+              <a:rPr lang="en-US" dirty="0" err="1" smtClean="0"/>
+              <a:t>tạo</a:t>
+            </a:r>
+            <a:r>
+              <a:rPr lang="en-US" dirty="0" smtClean="0"/>
+              <a:t> </a:t>
+            </a:r>
+            <a:r>
+              <a:rPr lang="en-US" dirty="0" err="1" smtClean="0"/>
+              <a:t>ra</a:t>
+            </a:r>
+            <a:r>
+              <a:rPr lang="en-US" dirty="0" smtClean="0"/>
+              <a:t> </a:t>
+            </a:r>
+            <a:r>
+              <a:rPr lang="en-US" dirty="0" err="1" smtClean="0"/>
+              <a:t>lớp</a:t>
+            </a:r>
+            <a:r>
+              <a:rPr lang="en-US" dirty="0" smtClean="0"/>
+              <a:t> </a:t>
+            </a:r>
+            <a:r>
+              <a:rPr lang="en-US" dirty="0" err="1" smtClean="0"/>
+              <a:t>VectorInt,VectorDouble,Vectorfloat</a:t>
+            </a:r>
+            <a:r>
+              <a:rPr lang="en-US" dirty="0" smtClean="0"/>
+              <a:t> </a:t>
+            </a:r>
+            <a:r>
+              <a:rPr lang="en-US" dirty="0" err="1" smtClean="0"/>
+              <a:t>từ</a:t>
+            </a:r>
+            <a:r>
+              <a:rPr lang="en-US" dirty="0" smtClean="0"/>
+              <a:t> </a:t>
+            </a:r>
+            <a:r>
+              <a:rPr lang="en-US" dirty="0" err="1" smtClean="0"/>
+              <a:t>một</a:t>
+            </a:r>
+            <a:r>
+              <a:rPr lang="en-US" dirty="0" smtClean="0"/>
+              <a:t> Base Class </a:t>
+            </a:r>
+            <a:r>
+              <a:rPr lang="en-US" dirty="0" err="1" smtClean="0"/>
+              <a:t>là</a:t>
+            </a:r>
+            <a:r>
+              <a:rPr lang="en-US" dirty="0" smtClean="0"/>
+              <a:t> Vector.</a:t>
+            </a:r>
             <a:endParaRPr lang="en-US" dirty="0"/>
           </a:p>
         </p:txBody>
@@ -6564,7 +6704,7 @@
     </p:spTree>
     <p:extLst>
       <p:ext uri="{BB962C8B-B14F-4D97-AF65-F5344CB8AC3E}">
-        <p14:creationId xmlns:p14="http://schemas.microsoft.com/office/powerpoint/2010/main" val="1076921608"/>
+        <p14:creationId xmlns:p14="http://schemas.microsoft.com/office/powerpoint/2010/main" val="3925364991"/>
       </p:ext>
     </p:extLst>
   </p:cSld>
@@ -6608,7 +6748,15 @@
           <a:p>
             <a:r>
               <a:rPr lang="en-US" dirty="0" smtClean="0"/>
-              <a:t>Template Specialization</a:t>
+              <a:t>Function Templates </a:t>
+            </a:r>
+            <a:r>
+              <a:rPr lang="en-US" dirty="0" err="1" smtClean="0"/>
+              <a:t>và</a:t>
+            </a:r>
+            <a:r>
+              <a:rPr lang="en-US" dirty="0" smtClean="0"/>
+              <a:t> Class Templates</a:t>
             </a:r>
             <a:endParaRPr lang="en-US" dirty="0"/>
           </a:p>
@@ -6629,254 +6777,6 @@
           <a:bodyPr/>
           <a:lstStyle/>
           <a:p>
-            <a:r>
-              <a:rPr lang="en-US" dirty="0" err="1" smtClean="0"/>
-              <a:t>Trong</a:t>
-            </a:r>
-            <a:r>
-              <a:rPr lang="en-US" dirty="0" smtClean="0"/>
-              <a:t> </a:t>
-            </a:r>
-            <a:r>
-              <a:rPr lang="en-US" dirty="0" err="1" smtClean="0"/>
-              <a:t>quá</a:t>
-            </a:r>
-            <a:r>
-              <a:rPr lang="en-US" dirty="0" smtClean="0"/>
-              <a:t> </a:t>
-            </a:r>
-            <a:r>
-              <a:rPr lang="en-US" dirty="0" err="1" smtClean="0"/>
-              <a:t>trình</a:t>
-            </a:r>
-            <a:r>
-              <a:rPr lang="en-US" dirty="0" smtClean="0"/>
-              <a:t> </a:t>
-            </a:r>
-            <a:r>
-              <a:rPr lang="en-US" dirty="0" err="1" smtClean="0"/>
-              <a:t>xây</a:t>
-            </a:r>
-            <a:r>
-              <a:rPr lang="en-US" dirty="0" smtClean="0"/>
-              <a:t> </a:t>
-            </a:r>
-            <a:r>
-              <a:rPr lang="en-US" dirty="0" err="1" smtClean="0"/>
-              <a:t>dựng</a:t>
-            </a:r>
-            <a:r>
-              <a:rPr lang="en-US" dirty="0" smtClean="0"/>
-              <a:t> </a:t>
-            </a:r>
-            <a:r>
-              <a:rPr lang="en-US" dirty="0" err="1" smtClean="0"/>
-              <a:t>hàm</a:t>
-            </a:r>
-            <a:r>
-              <a:rPr lang="en-US" dirty="0" smtClean="0"/>
-              <a:t> hay </a:t>
-            </a:r>
-            <a:r>
-              <a:rPr lang="en-US" dirty="0" err="1" smtClean="0"/>
-              <a:t>lớp</a:t>
-            </a:r>
-            <a:r>
-              <a:rPr lang="en-US" dirty="0" smtClean="0"/>
-              <a:t> </a:t>
-            </a:r>
-            <a:r>
-              <a:rPr lang="en-US" dirty="0" err="1" smtClean="0"/>
-              <a:t>với</a:t>
-            </a:r>
-            <a:r>
-              <a:rPr lang="en-US" dirty="0" smtClean="0"/>
-              <a:t> </a:t>
-            </a:r>
-            <a:r>
-              <a:rPr lang="en-US" dirty="0" err="1" smtClean="0"/>
-              <a:t>kiểu</a:t>
-            </a:r>
-            <a:r>
-              <a:rPr lang="en-US" dirty="0" smtClean="0"/>
-              <a:t> </a:t>
-            </a:r>
-            <a:r>
-              <a:rPr lang="en-US" dirty="0" err="1" smtClean="0"/>
-              <a:t>dữ</a:t>
-            </a:r>
-            <a:r>
-              <a:rPr lang="en-US" dirty="0" smtClean="0"/>
-              <a:t> </a:t>
-            </a:r>
-            <a:r>
-              <a:rPr lang="en-US" dirty="0" err="1" smtClean="0"/>
-              <a:t>liệu</a:t>
-            </a:r>
-            <a:r>
-              <a:rPr lang="en-US" dirty="0" smtClean="0"/>
-              <a:t> </a:t>
-            </a:r>
-            <a:r>
-              <a:rPr lang="en-US" dirty="0" err="1" smtClean="0"/>
-              <a:t>được</a:t>
-            </a:r>
-            <a:r>
-              <a:rPr lang="en-US" dirty="0" smtClean="0"/>
-              <a:t> </a:t>
-            </a:r>
-            <a:r>
-              <a:rPr lang="en-US" dirty="0" err="1" smtClean="0"/>
-              <a:t>tham</a:t>
-            </a:r>
-            <a:r>
-              <a:rPr lang="en-US" dirty="0" smtClean="0"/>
-              <a:t> </a:t>
-            </a:r>
-            <a:r>
-              <a:rPr lang="en-US" dirty="0" err="1" smtClean="0"/>
-              <a:t>số</a:t>
-            </a:r>
-            <a:r>
-              <a:rPr lang="en-US" dirty="0" smtClean="0"/>
-              <a:t> </a:t>
-            </a:r>
-            <a:r>
-              <a:rPr lang="en-US" dirty="0" err="1" smtClean="0"/>
-              <a:t>hóa</a:t>
-            </a:r>
-            <a:r>
-              <a:rPr lang="en-US" dirty="0" smtClean="0"/>
-              <a:t>, </a:t>
-            </a:r>
-            <a:r>
-              <a:rPr lang="en-US" dirty="0" err="1" smtClean="0"/>
-              <a:t>chúng</a:t>
-            </a:r>
-            <a:r>
-              <a:rPr lang="en-US" dirty="0" smtClean="0"/>
-              <a:t> ta </a:t>
-            </a:r>
-            <a:r>
-              <a:rPr lang="en-US" dirty="0" err="1" smtClean="0"/>
-              <a:t>có</a:t>
-            </a:r>
-            <a:r>
-              <a:rPr lang="en-US" dirty="0" smtClean="0"/>
-              <a:t> </a:t>
-            </a:r>
-            <a:r>
-              <a:rPr lang="en-US" dirty="0" err="1" smtClean="0"/>
-              <a:t>thể</a:t>
-            </a:r>
-            <a:r>
-              <a:rPr lang="en-US" dirty="0" smtClean="0"/>
-              <a:t> </a:t>
-            </a:r>
-            <a:r>
-              <a:rPr lang="en-US" dirty="0" err="1" smtClean="0"/>
-              <a:t>phải</a:t>
-            </a:r>
-            <a:r>
-              <a:rPr lang="en-US" dirty="0" smtClean="0"/>
-              <a:t> </a:t>
-            </a:r>
-            <a:r>
-              <a:rPr lang="en-US" dirty="0" err="1" smtClean="0"/>
-              <a:t>xử</a:t>
-            </a:r>
-            <a:r>
-              <a:rPr lang="en-US" dirty="0" smtClean="0"/>
-              <a:t> </a:t>
-            </a:r>
-            <a:r>
-              <a:rPr lang="en-US" dirty="0" err="1" smtClean="0"/>
-              <a:t>lí</a:t>
-            </a:r>
-            <a:r>
-              <a:rPr lang="en-US" dirty="0" smtClean="0"/>
-              <a:t> </a:t>
-            </a:r>
-            <a:r>
-              <a:rPr lang="en-US" dirty="0" err="1" smtClean="0"/>
-              <a:t>riêng</a:t>
-            </a:r>
-            <a:r>
-              <a:rPr lang="en-US" dirty="0" smtClean="0"/>
-              <a:t> </a:t>
-            </a:r>
-            <a:r>
-              <a:rPr lang="en-US" dirty="0" err="1" smtClean="0"/>
-              <a:t>biệt</a:t>
-            </a:r>
-            <a:r>
-              <a:rPr lang="en-US" dirty="0" smtClean="0"/>
-              <a:t> </a:t>
-            </a:r>
-            <a:r>
-              <a:rPr lang="en-US" dirty="0" err="1" smtClean="0"/>
-              <a:t>cho</a:t>
-            </a:r>
-            <a:r>
-              <a:rPr lang="en-US" dirty="0" smtClean="0"/>
-              <a:t> 1 </a:t>
-            </a:r>
-            <a:r>
-              <a:rPr lang="en-US" dirty="0" err="1" smtClean="0"/>
-              <a:t>kiểu</a:t>
-            </a:r>
-            <a:r>
-              <a:rPr lang="en-US" dirty="0" smtClean="0"/>
-              <a:t> </a:t>
-            </a:r>
-            <a:r>
-              <a:rPr lang="en-US" dirty="0" err="1" smtClean="0"/>
-              <a:t>dữ</a:t>
-            </a:r>
-            <a:r>
-              <a:rPr lang="en-US" dirty="0" smtClean="0"/>
-              <a:t> </a:t>
-            </a:r>
-            <a:r>
-              <a:rPr lang="en-US" dirty="0" err="1" smtClean="0"/>
-              <a:t>liệu</a:t>
-            </a:r>
-            <a:r>
-              <a:rPr lang="en-US" dirty="0" smtClean="0"/>
-              <a:t> </a:t>
-            </a:r>
-            <a:r>
-              <a:rPr lang="en-US" dirty="0" err="1" smtClean="0"/>
-              <a:t>đặc</a:t>
-            </a:r>
-            <a:r>
-              <a:rPr lang="en-US" dirty="0" smtClean="0"/>
-              <a:t> </a:t>
-            </a:r>
-            <a:r>
-              <a:rPr lang="en-US" dirty="0" err="1" smtClean="0"/>
-              <a:t>thù</a:t>
-            </a:r>
-            <a:r>
-              <a:rPr lang="en-US" dirty="0" smtClean="0"/>
-              <a:t> </a:t>
-            </a:r>
-            <a:r>
-              <a:rPr lang="en-US" dirty="0" err="1" smtClean="0"/>
-              <a:t>nào</a:t>
-            </a:r>
-            <a:r>
-              <a:rPr lang="en-US" dirty="0" smtClean="0"/>
-              <a:t> </a:t>
-            </a:r>
-            <a:r>
-              <a:rPr lang="en-US" dirty="0" err="1" smtClean="0"/>
-              <a:t>đó</a:t>
-            </a:r>
-            <a:r>
-              <a:rPr lang="en-US" dirty="0" smtClean="0"/>
-              <a:t>.</a:t>
-            </a:r>
             <a:endParaRPr lang="en-US" dirty="0"/>
           </a:p>
         </p:txBody>
@@ -6884,7 +6784,7 @@
     </p:spTree>
     <p:extLst>
       <p:ext uri="{BB962C8B-B14F-4D97-AF65-F5344CB8AC3E}">
-        <p14:creationId xmlns:p14="http://schemas.microsoft.com/office/powerpoint/2010/main" val="2994380700"/>
+        <p14:creationId xmlns:p14="http://schemas.microsoft.com/office/powerpoint/2010/main" val="1076921608"/>
       </p:ext>
     </p:extLst>
   </p:cSld>
@@ -6923,6 +6823,326 @@
         </p:nvSpPr>
         <p:spPr/>
         <p:txBody>
+          <a:bodyPr/>
+          <a:lstStyle/>
+          <a:p>
+            <a:r>
+              <a:rPr lang="en-US" dirty="0" smtClean="0"/>
+              <a:t>Template Specialization</a:t>
+            </a:r>
+            <a:endParaRPr lang="en-US" dirty="0"/>
+          </a:p>
+        </p:txBody>
+      </p:sp>
+      <p:sp>
+        <p:nvSpPr>
+          <p:cNvPr id="3" name="Content Placeholder 2"/>
+          <p:cNvSpPr>
+            <a:spLocks noGrp="1"/>
+          </p:cNvSpPr>
+          <p:nvPr>
+            <p:ph idx="1"/>
+          </p:nvPr>
+        </p:nvSpPr>
+        <p:spPr/>
+        <p:txBody>
+          <a:bodyPr/>
+          <a:lstStyle/>
+          <a:p>
+            <a:r>
+              <a:rPr lang="en-US" dirty="0" err="1" smtClean="0"/>
+              <a:t>Trong</a:t>
+            </a:r>
+            <a:r>
+              <a:rPr lang="en-US" dirty="0" smtClean="0"/>
+              <a:t> </a:t>
+            </a:r>
+            <a:r>
+              <a:rPr lang="en-US" dirty="0" err="1" smtClean="0"/>
+              <a:t>quá</a:t>
+            </a:r>
+            <a:r>
+              <a:rPr lang="en-US" dirty="0" smtClean="0"/>
+              <a:t> </a:t>
+            </a:r>
+            <a:r>
+              <a:rPr lang="en-US" dirty="0" err="1" smtClean="0"/>
+              <a:t>trình</a:t>
+            </a:r>
+            <a:r>
+              <a:rPr lang="en-US" dirty="0" smtClean="0"/>
+              <a:t> </a:t>
+            </a:r>
+            <a:r>
+              <a:rPr lang="en-US" dirty="0" err="1" smtClean="0"/>
+              <a:t>xây</a:t>
+            </a:r>
+            <a:r>
+              <a:rPr lang="en-US" dirty="0" smtClean="0"/>
+              <a:t> </a:t>
+            </a:r>
+            <a:r>
+              <a:rPr lang="en-US" dirty="0" err="1" smtClean="0"/>
+              <a:t>dựng</a:t>
+            </a:r>
+            <a:r>
+              <a:rPr lang="en-US" dirty="0" smtClean="0"/>
+              <a:t> </a:t>
+            </a:r>
+            <a:r>
+              <a:rPr lang="en-US" dirty="0" err="1" smtClean="0"/>
+              <a:t>hàm</a:t>
+            </a:r>
+            <a:r>
+              <a:rPr lang="en-US" dirty="0" smtClean="0"/>
+              <a:t> hay </a:t>
+            </a:r>
+            <a:r>
+              <a:rPr lang="en-US" dirty="0" err="1" smtClean="0"/>
+              <a:t>lớp</a:t>
+            </a:r>
+            <a:r>
+              <a:rPr lang="en-US" dirty="0" smtClean="0"/>
+              <a:t> </a:t>
+            </a:r>
+            <a:r>
+              <a:rPr lang="en-US" dirty="0" err="1" smtClean="0"/>
+              <a:t>với</a:t>
+            </a:r>
+            <a:r>
+              <a:rPr lang="en-US" dirty="0" smtClean="0"/>
+              <a:t> </a:t>
+            </a:r>
+            <a:r>
+              <a:rPr lang="en-US" dirty="0" err="1" smtClean="0"/>
+              <a:t>kiểu</a:t>
+            </a:r>
+            <a:r>
+              <a:rPr lang="en-US" dirty="0" smtClean="0"/>
+              <a:t> </a:t>
+            </a:r>
+            <a:r>
+              <a:rPr lang="en-US" dirty="0" err="1" smtClean="0"/>
+              <a:t>dữ</a:t>
+            </a:r>
+            <a:r>
+              <a:rPr lang="en-US" dirty="0" smtClean="0"/>
+              <a:t> </a:t>
+            </a:r>
+            <a:r>
+              <a:rPr lang="en-US" dirty="0" err="1" smtClean="0"/>
+              <a:t>liệu</a:t>
+            </a:r>
+            <a:r>
+              <a:rPr lang="en-US" dirty="0" smtClean="0"/>
+              <a:t> </a:t>
+            </a:r>
+            <a:r>
+              <a:rPr lang="en-US" dirty="0" err="1" smtClean="0"/>
+              <a:t>được</a:t>
+            </a:r>
+            <a:r>
+              <a:rPr lang="en-US" dirty="0" smtClean="0"/>
+              <a:t> </a:t>
+            </a:r>
+            <a:r>
+              <a:rPr lang="en-US" dirty="0" err="1" smtClean="0"/>
+              <a:t>tham</a:t>
+            </a:r>
+            <a:r>
+              <a:rPr lang="en-US" dirty="0" smtClean="0"/>
+              <a:t> </a:t>
+            </a:r>
+            <a:r>
+              <a:rPr lang="en-US" dirty="0" err="1" smtClean="0"/>
+              <a:t>số</a:t>
+            </a:r>
+            <a:r>
+              <a:rPr lang="en-US" dirty="0" smtClean="0"/>
+              <a:t> </a:t>
+            </a:r>
+            <a:r>
+              <a:rPr lang="en-US" dirty="0" err="1" smtClean="0"/>
+              <a:t>hóa</a:t>
+            </a:r>
+            <a:r>
+              <a:rPr lang="en-US" dirty="0" smtClean="0"/>
+              <a:t>, </a:t>
+            </a:r>
+            <a:r>
+              <a:rPr lang="en-US" dirty="0" err="1" smtClean="0"/>
+              <a:t>chúng</a:t>
+            </a:r>
+            <a:r>
+              <a:rPr lang="en-US" dirty="0" smtClean="0"/>
+              <a:t> ta </a:t>
+            </a:r>
+            <a:r>
+              <a:rPr lang="en-US" dirty="0" err="1" smtClean="0"/>
+              <a:t>có</a:t>
+            </a:r>
+            <a:r>
+              <a:rPr lang="en-US" dirty="0" smtClean="0"/>
+              <a:t> </a:t>
+            </a:r>
+            <a:r>
+              <a:rPr lang="en-US" dirty="0" err="1" smtClean="0"/>
+              <a:t>thể</a:t>
+            </a:r>
+            <a:r>
+              <a:rPr lang="en-US" dirty="0" smtClean="0"/>
+              <a:t> </a:t>
+            </a:r>
+            <a:r>
+              <a:rPr lang="en-US" dirty="0" err="1" smtClean="0"/>
+              <a:t>phải</a:t>
+            </a:r>
+            <a:r>
+              <a:rPr lang="en-US" dirty="0" smtClean="0"/>
+              <a:t> </a:t>
+            </a:r>
+            <a:r>
+              <a:rPr lang="en-US" dirty="0" err="1" smtClean="0"/>
+              <a:t>xử</a:t>
+            </a:r>
+            <a:r>
+              <a:rPr lang="en-US" dirty="0" smtClean="0"/>
+              <a:t> </a:t>
+            </a:r>
+            <a:r>
+              <a:rPr lang="en-US" dirty="0" err="1" smtClean="0"/>
+              <a:t>lí</a:t>
+            </a:r>
+            <a:r>
+              <a:rPr lang="en-US" dirty="0" smtClean="0"/>
+              <a:t> </a:t>
+            </a:r>
+            <a:r>
+              <a:rPr lang="en-US" dirty="0" err="1" smtClean="0"/>
+              <a:t>riêng</a:t>
+            </a:r>
+            <a:r>
+              <a:rPr lang="en-US" dirty="0" smtClean="0"/>
+              <a:t> </a:t>
+            </a:r>
+            <a:r>
+              <a:rPr lang="en-US" dirty="0" err="1" smtClean="0"/>
+              <a:t>biệt</a:t>
+            </a:r>
+            <a:r>
+              <a:rPr lang="en-US" dirty="0" smtClean="0"/>
+              <a:t> </a:t>
+            </a:r>
+            <a:r>
+              <a:rPr lang="en-US" dirty="0" err="1" smtClean="0"/>
+              <a:t>cho</a:t>
+            </a:r>
+            <a:r>
+              <a:rPr lang="en-US" dirty="0" smtClean="0"/>
+              <a:t> 1 </a:t>
+            </a:r>
+            <a:r>
+              <a:rPr lang="en-US" dirty="0" err="1" smtClean="0"/>
+              <a:t>kiểu</a:t>
+            </a:r>
+            <a:r>
+              <a:rPr lang="en-US" dirty="0" smtClean="0"/>
+              <a:t> </a:t>
+            </a:r>
+            <a:r>
+              <a:rPr lang="en-US" dirty="0" err="1" smtClean="0"/>
+              <a:t>dữ</a:t>
+            </a:r>
+            <a:r>
+              <a:rPr lang="en-US" dirty="0" smtClean="0"/>
+              <a:t> </a:t>
+            </a:r>
+            <a:r>
+              <a:rPr lang="en-US" dirty="0" err="1" smtClean="0"/>
+              <a:t>liệu</a:t>
+            </a:r>
+            <a:r>
+              <a:rPr lang="en-US" dirty="0" smtClean="0"/>
+              <a:t> </a:t>
+            </a:r>
+            <a:r>
+              <a:rPr lang="en-US" dirty="0" err="1" smtClean="0"/>
+              <a:t>đặc</a:t>
+            </a:r>
+            <a:r>
+              <a:rPr lang="en-US" dirty="0" smtClean="0"/>
+              <a:t> </a:t>
+            </a:r>
+            <a:r>
+              <a:rPr lang="en-US" dirty="0" err="1" smtClean="0"/>
+              <a:t>thù</a:t>
+            </a:r>
+            <a:r>
+              <a:rPr lang="en-US" dirty="0" smtClean="0"/>
+              <a:t> </a:t>
+            </a:r>
+            <a:r>
+              <a:rPr lang="en-US" dirty="0" err="1" smtClean="0"/>
+              <a:t>nào</a:t>
+            </a:r>
+            <a:r>
+              <a:rPr lang="en-US" dirty="0" smtClean="0"/>
+              <a:t> </a:t>
+            </a:r>
+            <a:r>
+              <a:rPr lang="en-US" dirty="0" err="1" smtClean="0"/>
+              <a:t>đó</a:t>
+            </a:r>
+            <a:r>
+              <a:rPr lang="en-US" dirty="0" smtClean="0"/>
+              <a:t>.</a:t>
+            </a:r>
+            <a:endParaRPr lang="en-US" dirty="0"/>
+          </a:p>
+        </p:txBody>
+      </p:sp>
+    </p:spTree>
+    <p:extLst>
+      <p:ext uri="{BB962C8B-B14F-4D97-AF65-F5344CB8AC3E}">
+        <p14:creationId xmlns:p14="http://schemas.microsoft.com/office/powerpoint/2010/main" val="2994380700"/>
+      </p:ext>
+    </p:extLst>
+  </p:cSld>
+  <p:clrMapOvr>
+    <a:masterClrMapping/>
+  </p:clrMapOvr>
+</p:sld>
+</file>
+
+<file path=ppt/slides/slide7.xml><?xml version="1.0" encoding="utf-8"?>
+<p:sld xmlns:a="http://schemas.openxmlformats.org/drawingml/2006/main" xmlns:r="http://schemas.openxmlformats.org/officeDocument/2006/relationships" xmlns:p="http://schemas.openxmlformats.org/presentationml/2006/main">
+  <p:cSld>
+    <p:spTree>
+      <p:nvGrpSpPr>
+        <p:cNvPr id="1" name=""/>
+        <p:cNvGrpSpPr/>
+        <p:nvPr/>
+      </p:nvGrpSpPr>
+      <p:grpSpPr>
+        <a:xfrm>
+          <a:off x="0" y="0"/>
+          <a:ext cx="0" cy="0"/>
+          <a:chOff x="0" y="0"/>
+          <a:chExt cx="0" cy="0"/>
+        </a:xfrm>
+      </p:grpSpPr>
+      <p:sp>
+        <p:nvSpPr>
+          <p:cNvPr id="2" name="Title 1"/>
+          <p:cNvSpPr>
+            <a:spLocks noGrp="1"/>
+          </p:cNvSpPr>
+          <p:nvPr>
+            <p:ph type="title"/>
+          </p:nvPr>
+        </p:nvSpPr>
+        <p:spPr/>
+        <p:txBody>
           <a:bodyPr>
             <a:normAutofit fontScale="90000"/>
           </a:bodyPr>
@@ -7179,7 +7399,7 @@
 </p:sld>
 </file>
 
-<file path=ppt/slides/slide7.xml><?xml version="1.0" encoding="utf-8"?>
+<file path=ppt/slides/slide8.xml><?xml version="1.0" encoding="utf-8"?>
 <p:sld xmlns:a="http://schemas.openxmlformats.org/drawingml/2006/main" xmlns:r="http://schemas.openxmlformats.org/officeDocument/2006/relationships" xmlns:p="http://schemas.openxmlformats.org/presentationml/2006/main">
   <p:cSld>
     <p:spTree>
@@ -7268,83 +7488,6 @@
 </p:sld>
 </file>
 
-<file path=ppt/slides/slide8.xml><?xml version="1.0" encoding="utf-8"?>
-<p:sld xmlns:a="http://schemas.openxmlformats.org/drawingml/2006/main" xmlns:r="http://schemas.openxmlformats.org/officeDocument/2006/relationships" xmlns:p="http://schemas.openxmlformats.org/presentationml/2006/main">
-  <p:cSld>
-    <p:spTree>
-      <p:nvGrpSpPr>
-        <p:cNvPr id="1" name=""/>
-        <p:cNvGrpSpPr/>
-        <p:nvPr/>
-      </p:nvGrpSpPr>
-      <p:grpSpPr>
-        <a:xfrm>
-          <a:off x="0" y="0"/>
-          <a:ext cx="0" cy="0"/>
-          <a:chOff x="0" y="0"/>
-          <a:chExt cx="0" cy="0"/>
-        </a:xfrm>
-      </p:grpSpPr>
-      <p:sp>
-        <p:nvSpPr>
-          <p:cNvPr id="2" name="Title 1"/>
-          <p:cNvSpPr>
-            <a:spLocks noGrp="1"/>
-          </p:cNvSpPr>
-          <p:nvPr>
-            <p:ph type="title"/>
-          </p:nvPr>
-        </p:nvSpPr>
-        <p:spPr/>
-        <p:txBody>
-          <a:bodyPr>
-            <a:normAutofit fontScale="90000"/>
-          </a:bodyPr>
-          <a:lstStyle/>
-          <a:p>
-            <a:r>
-              <a:rPr lang="en-US" dirty="0"/>
-              <a:t>Curiously Recurring Template Pattern</a:t>
-            </a:r>
-            <a:br>
-              <a:rPr lang="en-US" dirty="0"/>
-            </a:br>
-            <a:endParaRPr lang="en-US" dirty="0"/>
-          </a:p>
-        </p:txBody>
-      </p:sp>
-      <p:sp>
-        <p:nvSpPr>
-          <p:cNvPr id="3" name="Content Placeholder 2"/>
-          <p:cNvSpPr>
-            <a:spLocks noGrp="1"/>
-          </p:cNvSpPr>
-          <p:nvPr>
-            <p:ph idx="1"/>
-          </p:nvPr>
-        </p:nvSpPr>
-        <p:spPr/>
-        <p:txBody>
-          <a:bodyPr/>
-          <a:lstStyle/>
-          <a:p>
-            <a:endParaRPr lang="en-US" dirty="0"/>
-          </a:p>
-        </p:txBody>
-      </p:sp>
-    </p:spTree>
-    <p:extLst>
-      <p:ext uri="{BB962C8B-B14F-4D97-AF65-F5344CB8AC3E}">
-        <p14:creationId xmlns:p14="http://schemas.microsoft.com/office/powerpoint/2010/main" val="3127083284"/>
-      </p:ext>
-    </p:extLst>
-  </p:cSld>
-  <p:clrMapOvr>
-    <a:masterClrMapping/>
-  </p:clrMapOvr>
-</p:sld>
-</file>
-
 <file path=ppt/slides/slide9.xml><?xml version="1.0" encoding="utf-8"?>
 <p:sld xmlns:a="http://schemas.openxmlformats.org/drawingml/2006/main" xmlns:r="http://schemas.openxmlformats.org/officeDocument/2006/relationships" xmlns:p="http://schemas.openxmlformats.org/presentationml/2006/main">
   <p:cSld>
@@ -7374,71 +7517,45 @@
         </p:nvSpPr>
         <p:spPr/>
         <p:txBody>
+          <a:bodyPr>
+            <a:normAutofit fontScale="90000"/>
+          </a:bodyPr>
+          <a:lstStyle/>
+          <a:p>
+            <a:r>
+              <a:rPr lang="en-US" dirty="0"/>
+              <a:t>Curiously Recurring Template Pattern</a:t>
+            </a:r>
+            <a:br>
+              <a:rPr lang="en-US" dirty="0"/>
+            </a:br>
+            <a:endParaRPr lang="en-US" dirty="0"/>
+          </a:p>
+        </p:txBody>
+      </p:sp>
+      <p:sp>
+        <p:nvSpPr>
+          <p:cNvPr id="3" name="Content Placeholder 2"/>
+          <p:cNvSpPr>
+            <a:spLocks noGrp="1"/>
+          </p:cNvSpPr>
+          <p:nvPr>
+            <p:ph idx="1"/>
+          </p:nvPr>
+        </p:nvSpPr>
+        <p:spPr/>
+        <p:txBody>
           <a:bodyPr/>
           <a:lstStyle/>
           <a:p>
-            <a:r>
-              <a:rPr lang="en-US" dirty="0" smtClean="0"/>
-              <a:t>STL</a:t>
-            </a:r>
-            <a:endParaRPr lang="en-US" dirty="0"/>
-          </a:p>
-        </p:txBody>
-      </p:sp>
-      <p:sp>
-        <p:nvSpPr>
-          <p:cNvPr id="3" name="Content Placeholder 2"/>
-          <p:cNvSpPr>
-            <a:spLocks noGrp="1"/>
-          </p:cNvSpPr>
-          <p:nvPr>
-            <p:ph idx="1"/>
-          </p:nvPr>
-        </p:nvSpPr>
-        <p:spPr/>
-        <p:txBody>
-          <a:bodyPr/>
-          <a:lstStyle/>
-          <a:p>
-            <a:r>
-              <a:rPr lang="en-US" dirty="0" smtClean="0"/>
-              <a:t>Containers: array,vector,deque,stack,set,map,..</a:t>
-            </a:r>
-            <a:r>
-              <a:rPr lang="en-US" dirty="0" err="1" smtClean="0"/>
-              <a:t>etc</a:t>
-            </a:r>
-            <a:r>
-              <a:rPr lang="en-US" dirty="0" smtClean="0"/>
-              <a:t>)</a:t>
-            </a:r>
-          </a:p>
-          <a:p>
-            <a:r>
-              <a:rPr lang="en-US" dirty="0" smtClean="0"/>
-              <a:t>Algorithms: </a:t>
-            </a:r>
-            <a:r>
-              <a:rPr lang="en-US" dirty="0" err="1" smtClean="0"/>
-              <a:t>find,max,count,sort</a:t>
-            </a:r>
-            <a:r>
-              <a:rPr lang="en-US" dirty="0" smtClean="0"/>
-              <a:t>,…</a:t>
-            </a:r>
-          </a:p>
-          <a:p>
-            <a:r>
-              <a:rPr lang="en-US" dirty="0" smtClean="0"/>
-              <a:t>Iterators</a:t>
-            </a:r>
+            <a:endParaRPr lang="en-US" dirty="0"/>
           </a:p>
         </p:txBody>
       </p:sp>
     </p:spTree>
     <p:extLst>
       <p:ext uri="{BB962C8B-B14F-4D97-AF65-F5344CB8AC3E}">
-        <p14:creationId xmlns:p14="http://schemas.microsoft.com/office/powerpoint/2010/main" val="3740452871"/>
+        <p14:creationId xmlns:p14="http://schemas.microsoft.com/office/powerpoint/2010/main" val="3127083284"/>
       </p:ext>
     </p:extLst>
   </p:cSld>
